--- a/취업/상대가 원하는 나로 보이기.pptx
+++ b/취업/상대가 원하는 나로 보이기.pptx
@@ -105,6 +105,11 @@
       </a:defRPr>
     </a:lvl9pPr>
   </p:defaultTextStyle>
+  <p:extLst>
+    <p:ext uri="{EFAFB233-063F-42B5-8137-9DF3F51BA10A}">
+      <p15:sldGuideLst xmlns:p15="http://schemas.microsoft.com/office/powerpoint/2012/main"/>
+    </p:ext>
+  </p:extLst>
 </p:presentation>
 </file>
 
@@ -3338,7 +3343,12 @@
             <p:ph type="title"/>
           </p:nvPr>
         </p:nvSpPr>
-        <p:spPr/>
+        <p:spPr>
+          <a:xfrm>
+            <a:off x="381000" y="205637"/>
+            <a:ext cx="10515600" cy="985210"/>
+          </a:xfrm>
+        </p:spPr>
         <p:txBody>
           <a:bodyPr/>
           <a:lstStyle/>
@@ -3379,18 +3389,34 @@
           <a:lstStyle/>
           <a:p>
             <a:r>
-              <a:rPr lang="ko-KR" altLang="en-US"/>
+              <a:rPr lang="ko-KR" altLang="en-US" u="sng">
+                <a:solidFill>
+                  <a:srgbClr val="FF0000"/>
+                </a:solidFill>
+              </a:rPr>
               <a:t>이력서는 내가 누구다를 쓰는게 아니고</a:t>
             </a:r>
             <a:r>
-              <a:rPr lang="en-US" altLang="ko-KR"/>
+              <a:rPr lang="en-US" altLang="ko-KR" u="sng">
+                <a:solidFill>
+                  <a:srgbClr val="FF0000"/>
+                </a:solidFill>
+              </a:rPr>
               <a:t>, </a:t>
             </a:r>
             <a:r>
-              <a:rPr lang="ko-KR" altLang="en-US"/>
+              <a:rPr lang="ko-KR" altLang="en-US" u="sng">
+                <a:solidFill>
+                  <a:srgbClr val="FF0000"/>
+                </a:solidFill>
+              </a:rPr>
               <a:t>당신이 원하는 나예요를 표현</a:t>
             </a:r>
-            <a:endParaRPr lang="en-US" altLang="ko-KR"/>
+            <a:endParaRPr lang="en-US" altLang="ko-KR" u="sng">
+              <a:solidFill>
+                <a:srgbClr val="FF0000"/>
+              </a:solidFill>
+            </a:endParaRPr>
           </a:p>
           <a:p>
             <a:r>
@@ -3710,6 +3736,40 @@
               <a:t>등으로 한 기능에 대한 장점을 명시</a:t>
             </a:r>
             <a:endParaRPr lang="en-US" altLang="ko-KR"/>
+          </a:p>
+          <a:p>
+            <a:r>
+              <a:rPr lang="ko-KR" altLang="en-US"/>
+              <a:t>한 이력서당 많은 시간을 할애하여 볼 수 없음</a:t>
+            </a:r>
+            <a:r>
+              <a:rPr lang="en-US" altLang="ko-KR"/>
+              <a:t>(</a:t>
+            </a:r>
+            <a:r>
+              <a:rPr lang="ko-KR" altLang="en-US"/>
+              <a:t>보통 </a:t>
+            </a:r>
+            <a:r>
+              <a:rPr lang="en-US" altLang="ko-KR"/>
+              <a:t>30</a:t>
+            </a:r>
+            <a:r>
+              <a:rPr lang="ko-KR" altLang="en-US"/>
+              <a:t>초</a:t>
+            </a:r>
+            <a:r>
+              <a:rPr lang="en-US" altLang="ko-KR"/>
+              <a:t>~1</a:t>
+            </a:r>
+            <a:r>
+              <a:rPr lang="ko-KR" altLang="en-US"/>
+              <a:t>분 이내</a:t>
+            </a:r>
+            <a:r>
+              <a:rPr lang="en-US" altLang="ko-KR"/>
+              <a:t>)</a:t>
+            </a:r>
           </a:p>
           <a:p>
             <a:endParaRPr lang="ko-KR" altLang="en-US"/>

--- a/취업/상대가 원하는 나로 보이기.pptx
+++ b/취업/상대가 원하는 나로 보이기.pptx
@@ -7,6 +7,9 @@
   <p:sldIdLst>
     <p:sldId id="257" r:id="rId2"/>
     <p:sldId id="258" r:id="rId3"/>
+    <p:sldId id="260" r:id="rId4"/>
+    <p:sldId id="259" r:id="rId5"/>
+    <p:sldId id="261" r:id="rId6"/>
   </p:sldIdLst>
   <p:sldSz cx="12192000" cy="6858000"/>
   <p:notesSz cx="6858000" cy="9144000"/>
@@ -260,7 +263,7 @@
           <a:p>
             <a:fld id="{9A047EC3-2C9C-4B8B-AC0E-04CC00EA533B}" type="datetimeFigureOut">
               <a:rPr lang="ko-KR" altLang="en-US" smtClean="0"/>
-              <a:t>2025-03-06</a:t>
+              <a:t>2025-03-07</a:t>
             </a:fld>
             <a:endParaRPr lang="ko-KR" altLang="en-US"/>
           </a:p>
@@ -458,7 +461,7 @@
           <a:p>
             <a:fld id="{9A047EC3-2C9C-4B8B-AC0E-04CC00EA533B}" type="datetimeFigureOut">
               <a:rPr lang="ko-KR" altLang="en-US" smtClean="0"/>
-              <a:t>2025-03-06</a:t>
+              <a:t>2025-03-07</a:t>
             </a:fld>
             <a:endParaRPr lang="ko-KR" altLang="en-US"/>
           </a:p>
@@ -666,7 +669,7 @@
           <a:p>
             <a:fld id="{9A047EC3-2C9C-4B8B-AC0E-04CC00EA533B}" type="datetimeFigureOut">
               <a:rPr lang="ko-KR" altLang="en-US" smtClean="0"/>
-              <a:t>2025-03-06</a:t>
+              <a:t>2025-03-07</a:t>
             </a:fld>
             <a:endParaRPr lang="ko-KR" altLang="en-US"/>
           </a:p>
@@ -864,7 +867,7 @@
           <a:p>
             <a:fld id="{9A047EC3-2C9C-4B8B-AC0E-04CC00EA533B}" type="datetimeFigureOut">
               <a:rPr lang="ko-KR" altLang="en-US" smtClean="0"/>
-              <a:t>2025-03-06</a:t>
+              <a:t>2025-03-07</a:t>
             </a:fld>
             <a:endParaRPr lang="ko-KR" altLang="en-US"/>
           </a:p>
@@ -1139,7 +1142,7 @@
           <a:p>
             <a:fld id="{9A047EC3-2C9C-4B8B-AC0E-04CC00EA533B}" type="datetimeFigureOut">
               <a:rPr lang="ko-KR" altLang="en-US" smtClean="0"/>
-              <a:t>2025-03-06</a:t>
+              <a:t>2025-03-07</a:t>
             </a:fld>
             <a:endParaRPr lang="ko-KR" altLang="en-US"/>
           </a:p>
@@ -1404,7 +1407,7 @@
           <a:p>
             <a:fld id="{9A047EC3-2C9C-4B8B-AC0E-04CC00EA533B}" type="datetimeFigureOut">
               <a:rPr lang="ko-KR" altLang="en-US" smtClean="0"/>
-              <a:t>2025-03-06</a:t>
+              <a:t>2025-03-07</a:t>
             </a:fld>
             <a:endParaRPr lang="ko-KR" altLang="en-US"/>
           </a:p>
@@ -1816,7 +1819,7 @@
           <a:p>
             <a:fld id="{9A047EC3-2C9C-4B8B-AC0E-04CC00EA533B}" type="datetimeFigureOut">
               <a:rPr lang="ko-KR" altLang="en-US" smtClean="0"/>
-              <a:t>2025-03-06</a:t>
+              <a:t>2025-03-07</a:t>
             </a:fld>
             <a:endParaRPr lang="ko-KR" altLang="en-US"/>
           </a:p>
@@ -1957,7 +1960,7 @@
           <a:p>
             <a:fld id="{9A047EC3-2C9C-4B8B-AC0E-04CC00EA533B}" type="datetimeFigureOut">
               <a:rPr lang="ko-KR" altLang="en-US" smtClean="0"/>
-              <a:t>2025-03-06</a:t>
+              <a:t>2025-03-07</a:t>
             </a:fld>
             <a:endParaRPr lang="ko-KR" altLang="en-US"/>
           </a:p>
@@ -2070,7 +2073,7 @@
           <a:p>
             <a:fld id="{9A047EC3-2C9C-4B8B-AC0E-04CC00EA533B}" type="datetimeFigureOut">
               <a:rPr lang="ko-KR" altLang="en-US" smtClean="0"/>
-              <a:t>2025-03-06</a:t>
+              <a:t>2025-03-07</a:t>
             </a:fld>
             <a:endParaRPr lang="ko-KR" altLang="en-US"/>
           </a:p>
@@ -2381,7 +2384,7 @@
           <a:p>
             <a:fld id="{9A047EC3-2C9C-4B8B-AC0E-04CC00EA533B}" type="datetimeFigureOut">
               <a:rPr lang="ko-KR" altLang="en-US" smtClean="0"/>
-              <a:t>2025-03-06</a:t>
+              <a:t>2025-03-07</a:t>
             </a:fld>
             <a:endParaRPr lang="ko-KR" altLang="en-US"/>
           </a:p>
@@ -2669,7 +2672,7 @@
           <a:p>
             <a:fld id="{9A047EC3-2C9C-4B8B-AC0E-04CC00EA533B}" type="datetimeFigureOut">
               <a:rPr lang="ko-KR" altLang="en-US" smtClean="0"/>
-              <a:t>2025-03-06</a:t>
+              <a:t>2025-03-07</a:t>
             </a:fld>
             <a:endParaRPr lang="ko-KR" altLang="en-US"/>
           </a:p>
@@ -2910,7 +2913,7 @@
           <a:p>
             <a:fld id="{9A047EC3-2C9C-4B8B-AC0E-04CC00EA533B}" type="datetimeFigureOut">
               <a:rPr lang="ko-KR" altLang="en-US" smtClean="0"/>
-              <a:t>2025-03-06</a:t>
+              <a:t>2025-03-07</a:t>
             </a:fld>
             <a:endParaRPr lang="ko-KR" altLang="en-US"/>
           </a:p>
@@ -3461,6 +3464,76 @@
               </a:rPr>
               <a:t>단순 기능 나열</a:t>
             </a:r>
+            <a:r>
+              <a:rPr lang="en-US" altLang="ko-KR" b="1">
+                <a:solidFill>
+                  <a:srgbClr val="0000FF"/>
+                </a:solidFill>
+              </a:rPr>
+              <a:t>(</a:t>
+            </a:r>
+            <a:r>
+              <a:rPr lang="ko-KR" altLang="en-US" b="1">
+                <a:solidFill>
+                  <a:srgbClr val="0000FF"/>
+                </a:solidFill>
+              </a:rPr>
+              <a:t>대부분의 이력서</a:t>
+            </a:r>
+            <a:r>
+              <a:rPr lang="en-US" altLang="ko-KR" b="1">
+                <a:solidFill>
+                  <a:srgbClr val="0000FF"/>
+                </a:solidFill>
+              </a:rPr>
+              <a:t>, </a:t>
+            </a:r>
+            <a:r>
+              <a:rPr lang="ko-KR" altLang="en-US" b="1">
+                <a:solidFill>
+                  <a:srgbClr val="0000FF"/>
+                </a:solidFill>
+              </a:rPr>
+              <a:t>포트폴리오의 내용은 여기서 그침</a:t>
+            </a:r>
+            <a:r>
+              <a:rPr lang="en-US" altLang="ko-KR" b="1">
+                <a:solidFill>
+                  <a:srgbClr val="0000FF"/>
+                </a:solidFill>
+              </a:rPr>
+              <a:t>)</a:t>
+            </a:r>
+          </a:p>
+          <a:p>
+            <a:pPr marL="1371600" lvl="2" indent="-457200">
+              <a:buFont typeface="+mj-lt"/>
+              <a:buAutoNum type="arabicPeriod"/>
+            </a:pPr>
+            <a:r>
+              <a:rPr lang="ko-KR" altLang="en-US" b="1">
+                <a:solidFill>
+                  <a:srgbClr val="0000FF"/>
+                </a:solidFill>
+              </a:rPr>
+              <a:t>왜 이 기술을 사용했는지나 이 기술의 장단점</a:t>
+            </a:r>
+            <a:r>
+              <a:rPr lang="en-US" altLang="ko-KR" b="1">
+                <a:solidFill>
+                  <a:srgbClr val="0000FF"/>
+                </a:solidFill>
+              </a:rPr>
+              <a:t>. </a:t>
+            </a:r>
+            <a:r>
+              <a:rPr lang="ko-KR" altLang="en-US" b="1">
+                <a:solidFill>
+                  <a:srgbClr val="0000FF"/>
+                </a:solidFill>
+              </a:rPr>
+              <a:t>내부 작동원리</a:t>
+            </a:r>
             <a:endParaRPr lang="en-US" altLang="ko-KR" b="1">
               <a:solidFill>
                 <a:srgbClr val="0000FF"/>
@@ -3478,41 +3551,6 @@
                   <a:srgbClr val="0000FF"/>
                 </a:solidFill>
               </a:rPr>
-              <a:t>왜 이 기술을 사용했는지나 이 기술의 장단점</a:t>
-            </a:r>
-            <a:r>
-              <a:rPr lang="en-US" altLang="ko-KR" b="1">
-                <a:solidFill>
-                  <a:srgbClr val="0000FF"/>
-                </a:solidFill>
-              </a:rPr>
-              <a:t>. </a:t>
-            </a:r>
-            <a:r>
-              <a:rPr lang="ko-KR" altLang="en-US" b="1">
-                <a:solidFill>
-                  <a:srgbClr val="0000FF"/>
-                </a:solidFill>
-              </a:rPr>
-              <a:t>내부 작동원리</a:t>
-            </a:r>
-            <a:endParaRPr lang="en-US" altLang="ko-KR" b="1">
-              <a:solidFill>
-                <a:srgbClr val="0000FF"/>
-              </a:solidFill>
-            </a:endParaRPr>
-          </a:p>
-          <a:p>
-            <a:pPr marL="1371600" lvl="2" indent="-457200">
-              <a:buFont typeface="+mj-lt"/>
-              <a:buAutoNum type="arabicPeriod"/>
-            </a:pPr>
-            <a:r>
-              <a:rPr lang="ko-KR" altLang="en-US" b="1">
-                <a:solidFill>
-                  <a:srgbClr val="0000FF"/>
-                </a:solidFill>
-              </a:rPr>
               <a:t>유지보수</a:t>
             </a:r>
             <a:r>
@@ -3553,6 +3591,22 @@
                   <a:srgbClr val="0000FF"/>
                 </a:solidFill>
               </a:rPr>
+              <a:t>=</a:t>
+            </a:r>
+            <a:r>
+              <a:rPr lang="ko-KR" altLang="en-US" b="1">
+                <a:solidFill>
+                  <a:srgbClr val="0000FF"/>
+                </a:solidFill>
+              </a:rPr>
+              <a:t>캡슐화</a:t>
+            </a:r>
+            <a:r>
+              <a:rPr lang="en-US" altLang="ko-KR" b="1">
+                <a:solidFill>
+                  <a:srgbClr val="0000FF"/>
+                </a:solidFill>
+              </a:rPr>
               <a:t>, </a:t>
             </a:r>
             <a:r>
@@ -3561,7 +3615,23 @@
                   <a:srgbClr val="0000FF"/>
                 </a:solidFill>
               </a:rPr>
-              <a:t>테스트코드가 있는지여부</a:t>
+              <a:t>테스트코드가 있는지</a:t>
+            </a:r>
+            <a:r>
+              <a:rPr lang="en-US" altLang="ko-KR" b="1">
+                <a:solidFill>
+                  <a:srgbClr val="0000FF"/>
+                </a:solidFill>
+              </a:rPr>
+              <a:t>, </a:t>
+            </a:r>
+            <a:r>
+              <a:rPr lang="ko-KR" altLang="en-US" b="1">
+                <a:solidFill>
+                  <a:srgbClr val="0000FF"/>
+                </a:solidFill>
+              </a:rPr>
+              <a:t>리펙토링 단계가 있는지</a:t>
             </a:r>
             <a:endParaRPr lang="en-US" altLang="ko-KR" b="1">
               <a:solidFill>
@@ -3710,7 +3780,12 @@
             <p:ph idx="1"/>
           </p:nvPr>
         </p:nvSpPr>
-        <p:spPr/>
+        <p:spPr>
+          <a:xfrm>
+            <a:off x="838200" y="1690688"/>
+            <a:ext cx="10515600" cy="4351338"/>
+          </a:xfrm>
+        </p:spPr>
         <p:txBody>
           <a:bodyPr/>
           <a:lstStyle/>
@@ -3735,6 +3810,12 @@
               <a:rPr lang="ko-KR" altLang="en-US"/>
               <a:t>등으로 한 기능에 대한 장점을 명시</a:t>
             </a:r>
+            <a:endParaRPr lang="en-US" altLang="ko-KR"/>
+          </a:p>
+          <a:p>
+            <a:pPr marL="0" indent="0">
+              <a:buNone/>
+            </a:pPr>
             <a:endParaRPr lang="en-US" altLang="ko-KR"/>
           </a:p>
           <a:p>
@@ -3780,6 +3861,529 @@
     <p:extLst>
       <p:ext uri="{BB962C8B-B14F-4D97-AF65-F5344CB8AC3E}">
         <p14:creationId xmlns:p14="http://schemas.microsoft.com/office/powerpoint/2010/main" val="195864079"/>
+      </p:ext>
+    </p:extLst>
+  </p:cSld>
+  <p:clrMapOvr>
+    <a:masterClrMapping/>
+  </p:clrMapOvr>
+</p:sld>
+</file>
+
+<file path=ppt/slides/slide3.xml><?xml version="1.0" encoding="utf-8"?>
+<p:sld xmlns:a="http://schemas.openxmlformats.org/drawingml/2006/main" xmlns:r="http://schemas.openxmlformats.org/officeDocument/2006/relationships" xmlns:p="http://schemas.openxmlformats.org/presentationml/2006/main">
+  <p:cSld>
+    <p:spTree>
+      <p:nvGrpSpPr>
+        <p:cNvPr id="1" name=""/>
+        <p:cNvGrpSpPr/>
+        <p:nvPr/>
+      </p:nvGrpSpPr>
+      <p:grpSpPr>
+        <a:xfrm>
+          <a:off x="0" y="0"/>
+          <a:ext cx="0" cy="0"/>
+          <a:chOff x="0" y="0"/>
+          <a:chExt cx="0" cy="0"/>
+        </a:xfrm>
+      </p:grpSpPr>
+      <p:sp>
+        <p:nvSpPr>
+          <p:cNvPr id="2" name="제목 1"/>
+          <p:cNvSpPr>
+            <a:spLocks noGrp="1"/>
+          </p:cNvSpPr>
+          <p:nvPr>
+            <p:ph type="title"/>
+          </p:nvPr>
+        </p:nvSpPr>
+        <p:spPr>
+          <a:xfrm rot="20795107">
+            <a:off x="464458" y="1103454"/>
+            <a:ext cx="11054444" cy="4394901"/>
+          </a:xfrm>
+        </p:spPr>
+        <p:txBody>
+          <a:bodyPr>
+            <a:normAutofit fontScale="90000"/>
+          </a:bodyPr>
+          <a:lstStyle/>
+          <a:p>
+            <a:r>
+              <a:rPr lang="ko-KR" altLang="en-US">
+                <a:solidFill>
+                  <a:srgbClr val="FF0000"/>
+                </a:solidFill>
+              </a:rPr>
+              <a:t>이력서 및 포트폴리오에서 중요한 내용은 프로젝트 부분</a:t>
+            </a:r>
+            <a:r>
+              <a:rPr lang="en-US" altLang="ko-KR">
+                <a:solidFill>
+                  <a:srgbClr val="FF0000"/>
+                </a:solidFill>
+              </a:rPr>
+              <a:t>!</a:t>
+            </a:r>
+            <a:br>
+              <a:rPr lang="en-US" altLang="ko-KR">
+                <a:solidFill>
+                  <a:srgbClr val="FF0000"/>
+                </a:solidFill>
+              </a:rPr>
+            </a:br>
+            <a:br>
+              <a:rPr lang="en-US" altLang="ko-KR">
+                <a:solidFill>
+                  <a:srgbClr val="FF0000"/>
+                </a:solidFill>
+              </a:rPr>
+            </a:br>
+            <a:r>
+              <a:rPr lang="ko-KR" altLang="en-US">
+                <a:solidFill>
+                  <a:srgbClr val="FF0000"/>
+                </a:solidFill>
+              </a:rPr>
+              <a:t>유능한 개발자인지 여기서 판단할 수 있어야</a:t>
+            </a:r>
+            <a:r>
+              <a:rPr lang="en-US" altLang="ko-KR">
+                <a:solidFill>
+                  <a:srgbClr val="FF0000"/>
+                </a:solidFill>
+              </a:rPr>
+              <a:t>.</a:t>
+            </a:r>
+            <a:br>
+              <a:rPr lang="en-US" altLang="ko-KR">
+                <a:solidFill>
+                  <a:srgbClr val="FF0000"/>
+                </a:solidFill>
+              </a:rPr>
+            </a:br>
+            <a:br>
+              <a:rPr lang="en-US" altLang="ko-KR">
+                <a:solidFill>
+                  <a:srgbClr val="FF0000"/>
+                </a:solidFill>
+              </a:rPr>
+            </a:br>
+            <a:r>
+              <a:rPr lang="ko-KR" altLang="en-US">
+                <a:solidFill>
+                  <a:srgbClr val="FF0000"/>
+                </a:solidFill>
+              </a:rPr>
+              <a:t>그래서 불리한 부분이 있으면 뒤로</a:t>
+            </a:r>
+            <a:r>
+              <a:rPr lang="en-US" altLang="ko-KR">
+                <a:solidFill>
+                  <a:srgbClr val="FF0000"/>
+                </a:solidFill>
+              </a:rPr>
+              <a:t>! (ex. </a:t>
+            </a:r>
+            <a:r>
+              <a:rPr lang="ko-KR" altLang="en-US">
+                <a:solidFill>
+                  <a:srgbClr val="FF0000"/>
+                </a:solidFill>
+              </a:rPr>
+              <a:t>성적등</a:t>
+            </a:r>
+            <a:r>
+              <a:rPr lang="en-US" altLang="ko-KR">
+                <a:solidFill>
+                  <a:srgbClr val="FF0000"/>
+                </a:solidFill>
+              </a:rPr>
+              <a:t>)</a:t>
+            </a:r>
+            <a:endParaRPr lang="ko-KR" altLang="en-US">
+              <a:solidFill>
+                <a:srgbClr val="FF0000"/>
+              </a:solidFill>
+            </a:endParaRPr>
+          </a:p>
+        </p:txBody>
+      </p:sp>
+    </p:spTree>
+    <p:extLst>
+      <p:ext uri="{BB962C8B-B14F-4D97-AF65-F5344CB8AC3E}">
+        <p14:creationId xmlns:p14="http://schemas.microsoft.com/office/powerpoint/2010/main" val="3239612415"/>
+      </p:ext>
+    </p:extLst>
+  </p:cSld>
+  <p:clrMapOvr>
+    <a:masterClrMapping/>
+  </p:clrMapOvr>
+</p:sld>
+</file>
+
+<file path=ppt/slides/slide4.xml><?xml version="1.0" encoding="utf-8"?>
+<p:sld xmlns:a="http://schemas.openxmlformats.org/drawingml/2006/main" xmlns:r="http://schemas.openxmlformats.org/officeDocument/2006/relationships" xmlns:p="http://schemas.openxmlformats.org/presentationml/2006/main">
+  <p:cSld>
+    <p:spTree>
+      <p:nvGrpSpPr>
+        <p:cNvPr id="1" name=""/>
+        <p:cNvGrpSpPr/>
+        <p:nvPr/>
+      </p:nvGrpSpPr>
+      <p:grpSpPr>
+        <a:xfrm>
+          <a:off x="0" y="0"/>
+          <a:ext cx="0" cy="0"/>
+          <a:chOff x="0" y="0"/>
+          <a:chExt cx="0" cy="0"/>
+        </a:xfrm>
+      </p:grpSpPr>
+      <p:sp>
+        <p:nvSpPr>
+          <p:cNvPr id="2" name="제목 1"/>
+          <p:cNvSpPr>
+            <a:spLocks noGrp="1"/>
+          </p:cNvSpPr>
+          <p:nvPr>
+            <p:ph type="title"/>
+          </p:nvPr>
+        </p:nvSpPr>
+        <p:spPr/>
+        <p:txBody>
+          <a:bodyPr/>
+          <a:lstStyle/>
+          <a:p>
+            <a:r>
+              <a:rPr lang="ko-KR" altLang="en-US"/>
+              <a:t>최대한 다양한 채용 플랫폼 활용하기</a:t>
+            </a:r>
+          </a:p>
+        </p:txBody>
+      </p:sp>
+      <p:sp>
+        <p:nvSpPr>
+          <p:cNvPr id="3" name="내용 개체 틀 2"/>
+          <p:cNvSpPr>
+            <a:spLocks noGrp="1"/>
+          </p:cNvSpPr>
+          <p:nvPr>
+            <p:ph idx="1"/>
+          </p:nvPr>
+        </p:nvSpPr>
+        <p:spPr>
+          <a:xfrm>
+            <a:off x="838199" y="1825625"/>
+            <a:ext cx="11011525" cy="4351338"/>
+          </a:xfrm>
+        </p:spPr>
+        <p:txBody>
+          <a:bodyPr/>
+          <a:lstStyle/>
+          <a:p>
+            <a:r>
+              <a:rPr lang="ko-KR" altLang="en-US"/>
+              <a:t>원티드</a:t>
+            </a:r>
+            <a:r>
+              <a:rPr lang="en-US" altLang="ko-KR"/>
+              <a:t>, </a:t>
+            </a:r>
+            <a:r>
+              <a:rPr lang="ko-KR" altLang="en-US"/>
+              <a:t>랠릿</a:t>
+            </a:r>
+            <a:r>
+              <a:rPr lang="en-US" altLang="ko-KR"/>
+              <a:t>, </a:t>
+            </a:r>
+            <a:r>
+              <a:rPr lang="ko-KR" altLang="en-US"/>
+              <a:t>점핏</a:t>
+            </a:r>
+            <a:r>
+              <a:rPr lang="en-US" altLang="ko-KR"/>
+              <a:t>, </a:t>
+            </a:r>
+            <a:r>
+              <a:rPr lang="ko-KR" altLang="en-US"/>
+              <a:t>프로그래머스</a:t>
+            </a:r>
+            <a:r>
+              <a:rPr lang="en-US" altLang="ko-KR"/>
+              <a:t>,  600~700</a:t>
+            </a:r>
+            <a:r>
+              <a:rPr lang="ko-KR" altLang="en-US"/>
+              <a:t>만개 중 </a:t>
+            </a:r>
+            <a:r>
+              <a:rPr lang="en-US" altLang="ko-KR"/>
+              <a:t>2</a:t>
+            </a:r>
+            <a:r>
+              <a:rPr lang="ko-KR" altLang="en-US"/>
+              <a:t>만</a:t>
+            </a:r>
+            <a:r>
+              <a:rPr lang="en-US" altLang="ko-KR"/>
+              <a:t>6</a:t>
+            </a:r>
+            <a:r>
+              <a:rPr lang="ko-KR" altLang="en-US"/>
+              <a:t>천개사</a:t>
+            </a:r>
+            <a:endParaRPr lang="en-US" altLang="ko-KR"/>
+          </a:p>
+          <a:p>
+            <a:pPr marL="0" indent="0">
+              <a:buNone/>
+            </a:pPr>
+            <a:r>
+              <a:rPr lang="en-US" altLang="ko-KR"/>
+              <a:t>   (</a:t>
+            </a:r>
+            <a:r>
+              <a:rPr lang="ko-KR" altLang="en-US"/>
+              <a:t>채용 중계 수수료 계약연봉의 </a:t>
+            </a:r>
+            <a:r>
+              <a:rPr lang="en-US" altLang="ko-KR"/>
+              <a:t>7%)</a:t>
+            </a:r>
+          </a:p>
+          <a:p>
+            <a:pPr marL="0" indent="0">
+              <a:buNone/>
+            </a:pPr>
+            <a:endParaRPr lang="en-US" altLang="ko-KR"/>
+          </a:p>
+          <a:p>
+            <a:r>
+              <a:rPr lang="ko-KR" altLang="en-US"/>
+              <a:t>그룹바이</a:t>
+            </a:r>
+            <a:r>
+              <a:rPr lang="en-US" altLang="ko-KR"/>
+              <a:t>, </a:t>
+            </a:r>
+            <a:r>
+              <a:rPr lang="ko-KR" altLang="en-US"/>
+              <a:t>로켓펀치</a:t>
+            </a:r>
+            <a:r>
+              <a:rPr lang="en-US" altLang="ko-KR"/>
+              <a:t>, </a:t>
+            </a:r>
+            <a:r>
+              <a:rPr lang="ko-KR" altLang="en-US"/>
+              <a:t>비긴메이트</a:t>
+            </a:r>
+            <a:r>
+              <a:rPr lang="en-US" altLang="ko-KR"/>
+              <a:t>, </a:t>
+            </a:r>
+            <a:r>
+              <a:rPr lang="ko-KR" altLang="en-US"/>
+              <a:t>링커리어</a:t>
+            </a:r>
+            <a:r>
+              <a:rPr lang="en-US" altLang="ko-KR"/>
+              <a:t>, </a:t>
+            </a:r>
+            <a:r>
+              <a:rPr lang="ko-KR" altLang="en-US"/>
+              <a:t>런프리</a:t>
+            </a:r>
+            <a:r>
+              <a:rPr lang="en-US" altLang="ko-KR"/>
+              <a:t>, </a:t>
+            </a:r>
+            <a:r>
+              <a:rPr lang="ko-KR" altLang="en-US"/>
+              <a:t>서핏</a:t>
+            </a:r>
+            <a:r>
+              <a:rPr lang="en-US" altLang="ko-KR"/>
+              <a:t>, </a:t>
+            </a:r>
+            <a:r>
+              <a:rPr lang="ko-KR" altLang="en-US"/>
+              <a:t>더팀스</a:t>
+            </a:r>
+            <a:r>
+              <a:rPr lang="en-US" altLang="ko-KR"/>
+              <a:t>, </a:t>
+            </a:r>
+            <a:r>
+              <a:rPr lang="ko-KR" altLang="en-US"/>
+              <a:t>인크루트</a:t>
+            </a:r>
+            <a:r>
+              <a:rPr lang="en-US" altLang="ko-KR"/>
+              <a:t>, </a:t>
+            </a:r>
+            <a:r>
+              <a:rPr lang="ko-KR" altLang="en-US"/>
+              <a:t>잡코리아</a:t>
+            </a:r>
+            <a:r>
+              <a:rPr lang="en-US" altLang="ko-KR"/>
+              <a:t>, </a:t>
+            </a:r>
+            <a:r>
+              <a:rPr lang="ko-KR" altLang="en-US"/>
+              <a:t>워크넷</a:t>
+            </a:r>
+            <a:endParaRPr lang="en-US" altLang="ko-KR"/>
+          </a:p>
+          <a:p>
+            <a:pPr marL="0" indent="0">
+              <a:buNone/>
+            </a:pPr>
+            <a:endParaRPr lang="en-US" altLang="ko-KR"/>
+          </a:p>
+          <a:p>
+            <a:r>
+              <a:rPr lang="ko-KR" altLang="en-US"/>
+              <a:t>그외 회사 사이트</a:t>
+            </a:r>
+            <a:r>
+              <a:rPr lang="en-US" altLang="ko-KR"/>
+              <a:t>, SNS, </a:t>
+            </a:r>
+            <a:r>
+              <a:rPr lang="ko-KR" altLang="en-US"/>
+              <a:t>오픈톡방</a:t>
+            </a:r>
+          </a:p>
+        </p:txBody>
+      </p:sp>
+    </p:spTree>
+    <p:extLst>
+      <p:ext uri="{BB962C8B-B14F-4D97-AF65-F5344CB8AC3E}">
+        <p14:creationId xmlns:p14="http://schemas.microsoft.com/office/powerpoint/2010/main" val="1091560615"/>
+      </p:ext>
+    </p:extLst>
+  </p:cSld>
+  <p:clrMapOvr>
+    <a:masterClrMapping/>
+  </p:clrMapOvr>
+</p:sld>
+</file>
+
+<file path=ppt/slides/slide5.xml><?xml version="1.0" encoding="utf-8"?>
+<p:sld xmlns:a="http://schemas.openxmlformats.org/drawingml/2006/main" xmlns:r="http://schemas.openxmlformats.org/officeDocument/2006/relationships" xmlns:p="http://schemas.openxmlformats.org/presentationml/2006/main">
+  <p:cSld>
+    <p:spTree>
+      <p:nvGrpSpPr>
+        <p:cNvPr id="1" name=""/>
+        <p:cNvGrpSpPr/>
+        <p:nvPr/>
+      </p:nvGrpSpPr>
+      <p:grpSpPr>
+        <a:xfrm>
+          <a:off x="0" y="0"/>
+          <a:ext cx="0" cy="0"/>
+          <a:chOff x="0" y="0"/>
+          <a:chExt cx="0" cy="0"/>
+        </a:xfrm>
+      </p:grpSpPr>
+      <p:sp>
+        <p:nvSpPr>
+          <p:cNvPr id="3" name="내용 개체 틀 2"/>
+          <p:cNvSpPr>
+            <a:spLocks noGrp="1"/>
+          </p:cNvSpPr>
+          <p:nvPr>
+            <p:ph idx="1"/>
+          </p:nvPr>
+        </p:nvSpPr>
+        <p:spPr/>
+        <p:txBody>
+          <a:bodyPr/>
+          <a:lstStyle/>
+          <a:p>
+            <a:pPr marL="0" indent="0">
+              <a:buNone/>
+            </a:pPr>
+            <a:r>
+              <a:rPr lang="en-US" altLang="ko-KR"/>
+              <a:t>1. </a:t>
+            </a:r>
+            <a:r>
+              <a:rPr lang="ko-KR" altLang="en-US"/>
+              <a:t>해당 회사의 홈페이지 방문</a:t>
+            </a:r>
+          </a:p>
+          <a:p>
+            <a:pPr marL="0" indent="0">
+              <a:buNone/>
+            </a:pPr>
+            <a:r>
+              <a:rPr lang="en-US" altLang="ko-KR"/>
+              <a:t>2. </a:t>
+            </a:r>
+            <a:r>
+              <a:rPr lang="ko-KR" altLang="en-US"/>
+              <a:t>네이버 검색하면 회사 정보 검색</a:t>
+            </a:r>
+            <a:r>
+              <a:rPr lang="en-US" altLang="ko-KR"/>
+              <a:t>(</a:t>
+            </a:r>
+            <a:r>
+              <a:rPr lang="ko-KR" altLang="en-US"/>
+              <a:t>평균 연봉 및 잡플래닛 회사 후기등</a:t>
+            </a:r>
+            <a:r>
+              <a:rPr lang="en-US" altLang="ko-KR"/>
+              <a:t>. </a:t>
+            </a:r>
+            <a:r>
+              <a:rPr lang="ko-KR" altLang="en-US"/>
+              <a:t>잡플레닛 후기는 연계학교에서 볼 수 있지만 점수는 볼 수 있음</a:t>
+            </a:r>
+            <a:r>
+              <a:rPr lang="en-US" altLang="ko-KR"/>
+              <a:t>)</a:t>
+            </a:r>
+          </a:p>
+          <a:p>
+            <a:pPr marL="0" indent="0">
+              <a:buNone/>
+            </a:pPr>
+            <a:r>
+              <a:rPr lang="en-US" altLang="ko-KR"/>
+              <a:t>3. https://www.nicebizinfo.com/cm/CM0100M001GE.nice</a:t>
+            </a:r>
+            <a:r>
+              <a:rPr lang="ko-KR" altLang="en-US"/>
+              <a:t>에서 해당 기업정보를 확인하여 퇴사자가 다른회사와 비교하여 심하게 많지 않은지 복리 등을 다른 회사와 비교할 수 있음</a:t>
+            </a:r>
+            <a:r>
+              <a:rPr lang="en-US" altLang="ko-KR"/>
+              <a:t>. </a:t>
+            </a:r>
+            <a:r>
+              <a:rPr lang="ko-KR" altLang="en-US"/>
+              <a:t>거래처</a:t>
+            </a:r>
+            <a:r>
+              <a:rPr lang="en-US" altLang="ko-KR"/>
+              <a:t>, </a:t>
+            </a:r>
+            <a:r>
+              <a:rPr lang="ko-KR" altLang="en-US"/>
+              <a:t>매출액 등 확인 가능</a:t>
+            </a:r>
+          </a:p>
+        </p:txBody>
+      </p:sp>
+    </p:spTree>
+    <p:extLst>
+      <p:ext uri="{BB962C8B-B14F-4D97-AF65-F5344CB8AC3E}">
+        <p14:creationId xmlns:p14="http://schemas.microsoft.com/office/powerpoint/2010/main" val="2062778875"/>
       </p:ext>
     </p:extLst>
   </p:cSld>

--- a/취업/상대가 원하는 나로 보이기.pptx
+++ b/취업/상대가 원하는 나로 보이기.pptx
@@ -10,6 +10,7 @@
     <p:sldId id="260" r:id="rId4"/>
     <p:sldId id="259" r:id="rId5"/>
     <p:sldId id="261" r:id="rId6"/>
+    <p:sldId id="262" r:id="rId7"/>
   </p:sldIdLst>
   <p:sldSz cx="12192000" cy="6858000"/>
   <p:notesSz cx="6858000" cy="9144000"/>
@@ -3348,7 +3349,7 @@
         </p:nvSpPr>
         <p:spPr>
           <a:xfrm>
-            <a:off x="381000" y="205637"/>
+            <a:off x="0" y="0"/>
             <a:ext cx="10515600" cy="985210"/>
           </a:xfrm>
         </p:spPr>
@@ -3381,16 +3382,21 @@
         </p:nvSpPr>
         <p:spPr>
           <a:xfrm>
-            <a:off x="625549" y="1634349"/>
-            <a:ext cx="10515600" cy="4858526"/>
+            <a:off x="466060" y="824299"/>
+            <a:ext cx="11421140" cy="5209401"/>
           </a:xfrm>
         </p:spPr>
         <p:txBody>
           <a:bodyPr>
-            <a:normAutofit/>
+            <a:normAutofit fontScale="70000" lnSpcReduction="20000"/>
           </a:bodyPr>
           <a:lstStyle/>
           <a:p>
+            <a:pPr>
+              <a:lnSpc>
+                <a:spcPct val="160000"/>
+              </a:lnSpc>
+            </a:pPr>
             <a:r>
               <a:rPr lang="ko-KR" altLang="en-US" u="sng">
                 <a:solidFill>
@@ -3405,7 +3411,7 @@
                   <a:srgbClr val="FF0000"/>
                 </a:solidFill>
               </a:rPr>
-              <a:t>, </a:t>
+              <a:t>, “</a:t>
             </a:r>
             <a:r>
               <a:rPr lang="ko-KR" altLang="en-US" u="sng">
@@ -3413,7 +3419,23 @@
                   <a:srgbClr val="FF0000"/>
                 </a:solidFill>
               </a:rPr>
-              <a:t>당신이 원하는 나예요를 표현</a:t>
+              <a:t>당신이 원하는 나예요</a:t>
+            </a:r>
+            <a:r>
+              <a:rPr lang="en-US" altLang="ko-KR" u="sng">
+                <a:solidFill>
+                  <a:srgbClr val="FF0000"/>
+                </a:solidFill>
+              </a:rPr>
+              <a:t>”</a:t>
+            </a:r>
+            <a:r>
+              <a:rPr lang="ko-KR" altLang="en-US" u="sng">
+                <a:solidFill>
+                  <a:srgbClr val="FF0000"/>
+                </a:solidFill>
+              </a:rPr>
+              <a:t>를 표현</a:t>
             </a:r>
             <a:endParaRPr lang="en-US" altLang="ko-KR" u="sng">
               <a:solidFill>
@@ -3422,6 +3444,39 @@
             </a:endParaRPr>
           </a:p>
           <a:p>
+            <a:pPr>
+              <a:lnSpc>
+                <a:spcPct val="160000"/>
+              </a:lnSpc>
+            </a:pPr>
+            <a:r>
+              <a:rPr lang="ko-KR" altLang="en-US"/>
+              <a:t>구인란의 가고자 하는 회사의 자격조건</a:t>
+            </a:r>
+            <a:r>
+              <a:rPr lang="en-US" altLang="ko-KR"/>
+              <a:t>(</a:t>
+            </a:r>
+            <a:r>
+              <a:rPr lang="ko-KR" altLang="en-US"/>
+              <a:t>우대사항</a:t>
+            </a:r>
+            <a:r>
+              <a:rPr lang="en-US" altLang="ko-KR"/>
+              <a:t>)</a:t>
+            </a:r>
+            <a:r>
+              <a:rPr lang="ko-KR" altLang="en-US"/>
+              <a:t>을 정리하여 당신이 원하는 나를 파악하여 이력서 작성</a:t>
+            </a:r>
+            <a:endParaRPr lang="en-US" altLang="ko-KR"/>
+          </a:p>
+          <a:p>
+            <a:pPr>
+              <a:lnSpc>
+                <a:spcPct val="160000"/>
+              </a:lnSpc>
+            </a:pPr>
             <a:r>
               <a:rPr lang="ko-KR" altLang="en-US"/>
               <a:t>당신이 원하는 인재상은 채용공고의 자격요건과 우대사항</a:t>
@@ -3430,6 +3485,9 @@
           </a:p>
           <a:p>
             <a:pPr lvl="1">
+              <a:lnSpc>
+                <a:spcPct val="160000"/>
+              </a:lnSpc>
               <a:buFont typeface="Wingdings" panose="05000000000000000000" pitchFamily="2" charset="2"/>
               <a:buChar char="ü"/>
             </a:pPr>
@@ -3453,6 +3511,9 @@
           </a:p>
           <a:p>
             <a:pPr marL="1371600" lvl="2" indent="-457200">
+              <a:lnSpc>
+                <a:spcPct val="160000"/>
+              </a:lnSpc>
               <a:buFont typeface="+mj-lt"/>
               <a:buAutoNum type="arabicPeriod"/>
             </a:pPr>
@@ -3507,6 +3568,9 @@
           </a:p>
           <a:p>
             <a:pPr marL="1371600" lvl="2" indent="-457200">
+              <a:lnSpc>
+                <a:spcPct val="160000"/>
+              </a:lnSpc>
               <a:buFont typeface="+mj-lt"/>
               <a:buAutoNum type="arabicPeriod"/>
             </a:pPr>
@@ -3542,6 +3606,9 @@
           </a:p>
           <a:p>
             <a:pPr marL="1371600" lvl="2" indent="-457200">
+              <a:lnSpc>
+                <a:spcPct val="160000"/>
+              </a:lnSpc>
               <a:buFont typeface="+mj-lt"/>
               <a:buAutoNum type="arabicPeriod"/>
             </a:pPr>
@@ -3641,6 +3708,9 @@
           </a:p>
           <a:p>
             <a:pPr marL="1371600" lvl="2" indent="-457200">
+              <a:lnSpc>
+                <a:spcPct val="160000"/>
+              </a:lnSpc>
               <a:buFont typeface="+mj-lt"/>
               <a:buAutoNum type="arabicPeriod"/>
             </a:pPr>
@@ -3659,6 +3729,11 @@
             </a:endParaRPr>
           </a:p>
           <a:p>
+            <a:pPr>
+              <a:lnSpc>
+                <a:spcPct val="160000"/>
+              </a:lnSpc>
+            </a:pPr>
             <a:r>
               <a:rPr lang="ko-KR" altLang="en-US"/>
               <a:t>다다익선을 피하자</a:t>
@@ -4384,6 +4459,130 @@
     <p:extLst>
       <p:ext uri="{BB962C8B-B14F-4D97-AF65-F5344CB8AC3E}">
         <p14:creationId xmlns:p14="http://schemas.microsoft.com/office/powerpoint/2010/main" val="2062778875"/>
+      </p:ext>
+    </p:extLst>
+  </p:cSld>
+  <p:clrMapOvr>
+    <a:masterClrMapping/>
+  </p:clrMapOvr>
+</p:sld>
+</file>
+
+<file path=ppt/slides/slide6.xml><?xml version="1.0" encoding="utf-8"?>
+<p:sld xmlns:a="http://schemas.openxmlformats.org/drawingml/2006/main" xmlns:r="http://schemas.openxmlformats.org/officeDocument/2006/relationships" xmlns:p="http://schemas.openxmlformats.org/presentationml/2006/main">
+  <p:cSld>
+    <p:spTree>
+      <p:nvGrpSpPr>
+        <p:cNvPr id="1" name=""/>
+        <p:cNvGrpSpPr/>
+        <p:nvPr/>
+      </p:nvGrpSpPr>
+      <p:grpSpPr>
+        <a:xfrm>
+          <a:off x="0" y="0"/>
+          <a:ext cx="0" cy="0"/>
+          <a:chOff x="0" y="0"/>
+          <a:chExt cx="0" cy="0"/>
+        </a:xfrm>
+      </p:grpSpPr>
+      <p:sp>
+        <p:nvSpPr>
+          <p:cNvPr id="2" name="제목 1">
+            <a:extLst>
+              <a:ext uri="{FF2B5EF4-FFF2-40B4-BE49-F238E27FC236}">
+                <a16:creationId xmlns:a16="http://schemas.microsoft.com/office/drawing/2014/main" id="{3AE9A110-3348-481B-9CF4-7D8A48177C8F}"/>
+              </a:ext>
+            </a:extLst>
+          </p:cNvPr>
+          <p:cNvSpPr>
+            <a:spLocks noGrp="1"/>
+          </p:cNvSpPr>
+          <p:nvPr>
+            <p:ph type="title"/>
+          </p:nvPr>
+        </p:nvSpPr>
+        <p:spPr/>
+        <p:txBody>
+          <a:bodyPr/>
+          <a:lstStyle/>
+          <a:p>
+            <a:r>
+              <a:rPr lang="ko-KR" altLang="en-US"/>
+              <a:t>추가 </a:t>
+            </a:r>
+            <a:r>
+              <a:rPr lang="en-US" altLang="ko-KR"/>
+              <a:t>Q&amp;A</a:t>
+            </a:r>
+            <a:endParaRPr lang="ko-KR" altLang="en-US"/>
+          </a:p>
+        </p:txBody>
+      </p:sp>
+      <p:sp>
+        <p:nvSpPr>
+          <p:cNvPr id="3" name="내용 개체 틀 2">
+            <a:extLst>
+              <a:ext uri="{FF2B5EF4-FFF2-40B4-BE49-F238E27FC236}">
+                <a16:creationId xmlns:a16="http://schemas.microsoft.com/office/drawing/2014/main" id="{93F0EE9F-B1CA-4A34-A502-2B3EA4225BB3}"/>
+              </a:ext>
+            </a:extLst>
+          </p:cNvPr>
+          <p:cNvSpPr>
+            <a:spLocks noGrp="1"/>
+          </p:cNvSpPr>
+          <p:nvPr>
+            <p:ph idx="1"/>
+          </p:nvPr>
+        </p:nvSpPr>
+        <p:spPr/>
+        <p:txBody>
+          <a:bodyPr/>
+          <a:lstStyle/>
+          <a:p>
+            <a:r>
+              <a:rPr lang="ko-KR" altLang="en-US"/>
+              <a:t>신입인데 경력사원 채용공고에 지원 가능한지</a:t>
+            </a:r>
+            <a:r>
+              <a:rPr lang="en-US" altLang="ko-KR"/>
+              <a:t>?</a:t>
+            </a:r>
+          </a:p>
+          <a:p>
+            <a:endParaRPr lang="en-US" altLang="ko-KR"/>
+          </a:p>
+          <a:p>
+            <a:r>
+              <a:rPr lang="ko-KR" altLang="en-US"/>
+              <a:t>수료 후 </a:t>
+            </a:r>
+            <a:r>
+              <a:rPr lang="en-US" altLang="ko-KR"/>
+              <a:t>(</a:t>
+            </a:r>
+            <a:r>
+              <a:rPr lang="ko-KR" altLang="en-US"/>
+              <a:t>취업 후</a:t>
+            </a:r>
+            <a:r>
+              <a:rPr lang="en-US" altLang="ko-KR"/>
+              <a:t>) </a:t>
+            </a:r>
+            <a:r>
+              <a:rPr lang="ko-KR" altLang="en-US"/>
+              <a:t>어떤 걸 공부해야 할지</a:t>
+            </a:r>
+            <a:r>
+              <a:rPr lang="en-US" altLang="ko-KR"/>
+              <a:t>?</a:t>
+            </a:r>
+          </a:p>
+        </p:txBody>
+      </p:sp>
+    </p:spTree>
+    <p:extLst>
+      <p:ext uri="{BB962C8B-B14F-4D97-AF65-F5344CB8AC3E}">
+        <p14:creationId xmlns:p14="http://schemas.microsoft.com/office/powerpoint/2010/main" val="490601140"/>
       </p:ext>
     </p:extLst>
   </p:cSld>
